--- a/Blood Donor Management System.pptx
+++ b/Blood Donor Management System.pptx
@@ -13,6 +13,7 @@
     <p:sldId id="261" r:id="rId7"/>
     <p:sldId id="262" r:id="rId8"/>
     <p:sldId id="263" r:id="rId9"/>
+    <p:sldId id="264" r:id="rId10"/>
   </p:sldIdLst>
   <p:sldSz cx="12192000" cy="6858000"/>
   <p:notesSz cx="6858000" cy="9144000"/>
@@ -111,6 +112,11 @@
       </a:defRPr>
     </a:lvl9pPr>
   </p:defaultTextStyle>
+  <p:extLst>
+    <p:ext uri="{EFAFB233-063F-42B5-8137-9DF3F51BA10A}">
+      <p15:sldGuideLst xmlns:p15="http://schemas.microsoft.com/office/powerpoint/2012/main"/>
+    </p:ext>
+  </p:extLst>
 </p:presentation>
 </file>
 
@@ -209,7 +215,7 @@
           <a:effectLst/>
           <a:extLst>
             <a:ext uri="{91240B29-F687-4f45-9708-019B960494DF}">
-              <a14:hiddenLine xmlns:a14="http://schemas.microsoft.com/office/drawing/2010/main" xmlns="" w="9525">
+              <a14:hiddenLine xmlns="" xmlns:a14="http://schemas.microsoft.com/office/drawing/2010/main" w="9525">
                 <a:solidFill>
                   <a:srgbClr val="000000"/>
                 </a:solidFill>
@@ -401,7 +407,7 @@
           <a:p>
             <a:fld id="{81AC4511-555F-4A47-B99A-2646E76B4717}" type="datetimeFigureOut">
               <a:rPr lang="en-US" smtClean="0"/>
-              <a:t>11/27/2023</a:t>
+              <a:t>12/5/2023</a:t>
             </a:fld>
             <a:endParaRPr lang="en-US"/>
           </a:p>
@@ -719,7 +725,7 @@
           <a:p>
             <a:fld id="{81AC4511-555F-4A47-B99A-2646E76B4717}" type="datetimeFigureOut">
               <a:rPr lang="en-US" smtClean="0"/>
-              <a:t>11/27/2023</a:t>
+              <a:t>12/5/2023</a:t>
             </a:fld>
             <a:endParaRPr lang="en-US"/>
           </a:p>
@@ -1207,7 +1213,7 @@
           <a:p>
             <a:fld id="{81AC4511-555F-4A47-B99A-2646E76B4717}" type="datetimeFigureOut">
               <a:rPr lang="en-US" smtClean="0"/>
-              <a:t>11/27/2023</a:t>
+              <a:t>12/5/2023</a:t>
             </a:fld>
             <a:endParaRPr lang="en-US"/>
           </a:p>
@@ -1576,7 +1582,7 @@
           <a:p>
             <a:fld id="{81AC4511-555F-4A47-B99A-2646E76B4717}" type="datetimeFigureOut">
               <a:rPr lang="en-US" smtClean="0"/>
-              <a:t>11/27/2023</a:t>
+              <a:t>12/5/2023</a:t>
             </a:fld>
             <a:endParaRPr lang="en-US"/>
           </a:p>
@@ -1731,7 +1737,7 @@
           <a:ln/>
           <a:extLst>
             <a:ext uri="{91240B29-F687-4f45-9708-019B960494DF}">
-              <a14:hiddenLine xmlns:a14="http://schemas.microsoft.com/office/drawing/2010/main" xmlns="" w="9525">
+              <a14:hiddenLine xmlns="" xmlns:a14="http://schemas.microsoft.com/office/drawing/2010/main" w="9525">
                 <a:solidFill>
                   <a:srgbClr val="000000"/>
                 </a:solidFill>
@@ -1849,7 +1855,7 @@
           <a:p>
             <a:fld id="{81AC4511-555F-4A47-B99A-2646E76B4717}" type="datetimeFigureOut">
               <a:rPr lang="en-US" smtClean="0"/>
-              <a:t>11/27/2023</a:t>
+              <a:t>12/5/2023</a:t>
             </a:fld>
             <a:endParaRPr lang="en-US"/>
           </a:p>
@@ -2006,7 +2012,7 @@
           <a:ln/>
           <a:extLst>
             <a:ext uri="{91240B29-F687-4f45-9708-019B960494DF}">
-              <a14:hiddenLine xmlns:a14="http://schemas.microsoft.com/office/drawing/2010/main" xmlns="" w="9525">
+              <a14:hiddenLine xmlns="" xmlns:a14="http://schemas.microsoft.com/office/drawing/2010/main" w="9525">
                 <a:solidFill>
                   <a:srgbClr val="000000"/>
                 </a:solidFill>
@@ -2134,7 +2140,7 @@
           <a:p>
             <a:fld id="{81AC4511-555F-4A47-B99A-2646E76B4717}" type="datetimeFigureOut">
               <a:rPr lang="en-US" smtClean="0"/>
-              <a:t>11/27/2023</a:t>
+              <a:t>12/5/2023</a:t>
             </a:fld>
             <a:endParaRPr lang="en-US"/>
           </a:p>
@@ -2289,7 +2295,7 @@
           <a:ln/>
           <a:extLst>
             <a:ext uri="{91240B29-F687-4f45-9708-019B960494DF}">
-              <a14:hiddenLine xmlns:a14="http://schemas.microsoft.com/office/drawing/2010/main" xmlns="" w="9525">
+              <a14:hiddenLine xmlns="" xmlns:a14="http://schemas.microsoft.com/office/drawing/2010/main" w="9525">
                 <a:solidFill>
                   <a:srgbClr val="000000"/>
                 </a:solidFill>
@@ -2417,7 +2423,7 @@
           <a:p>
             <a:fld id="{81AC4511-555F-4A47-B99A-2646E76B4717}" type="datetimeFigureOut">
               <a:rPr lang="en-US" smtClean="0"/>
-              <a:t>11/27/2023</a:t>
+              <a:t>12/5/2023</a:t>
             </a:fld>
             <a:endParaRPr lang="en-US"/>
           </a:p>
@@ -2760,7 +2766,7 @@
           <a:p>
             <a:fld id="{81AC4511-555F-4A47-B99A-2646E76B4717}" type="datetimeFigureOut">
               <a:rPr lang="en-US" smtClean="0"/>
-              <a:t>11/27/2023</a:t>
+              <a:t>12/5/2023</a:t>
             </a:fld>
             <a:endParaRPr lang="en-US"/>
           </a:p>
@@ -2915,7 +2921,7 @@
           <a:ln/>
           <a:extLst>
             <a:ext uri="{91240B29-F687-4f45-9708-019B960494DF}">
-              <a14:hiddenLine xmlns:a14="http://schemas.microsoft.com/office/drawing/2010/main" xmlns="" w="9525">
+              <a14:hiddenLine xmlns="" xmlns:a14="http://schemas.microsoft.com/office/drawing/2010/main" w="9525">
                 <a:solidFill>
                   <a:srgbClr val="000000"/>
                 </a:solidFill>
@@ -3099,7 +3105,7 @@
           <a:p>
             <a:fld id="{81AC4511-555F-4A47-B99A-2646E76B4717}" type="datetimeFigureOut">
               <a:rPr lang="en-US" smtClean="0"/>
-              <a:t>11/27/2023</a:t>
+              <a:t>12/5/2023</a:t>
             </a:fld>
             <a:endParaRPr lang="en-US"/>
           </a:p>
@@ -3254,7 +3260,7 @@
           <a:ln/>
           <a:extLst>
             <a:ext uri="{91240B29-F687-4f45-9708-019B960494DF}">
-              <a14:hiddenLine xmlns:a14="http://schemas.microsoft.com/office/drawing/2010/main" xmlns="" w="9525">
+              <a14:hiddenLine xmlns="" xmlns:a14="http://schemas.microsoft.com/office/drawing/2010/main" w="9525">
                 <a:solidFill>
                   <a:srgbClr val="000000"/>
                 </a:solidFill>
@@ -3576,7 +3582,7 @@
           <a:p>
             <a:fld id="{81AC4511-555F-4A47-B99A-2646E76B4717}" type="datetimeFigureOut">
               <a:rPr lang="en-US" smtClean="0"/>
-              <a:t>11/27/2023</a:t>
+              <a:t>12/5/2023</a:t>
             </a:fld>
             <a:endParaRPr lang="en-US"/>
           </a:p>
@@ -3731,7 +3737,7 @@
           <a:ln/>
           <a:extLst>
             <a:ext uri="{91240B29-F687-4f45-9708-019B960494DF}">
-              <a14:hiddenLine xmlns:a14="http://schemas.microsoft.com/office/drawing/2010/main" xmlns="" w="9525">
+              <a14:hiddenLine xmlns="" xmlns:a14="http://schemas.microsoft.com/office/drawing/2010/main" w="9525">
                 <a:solidFill>
                   <a:srgbClr val="000000"/>
                 </a:solidFill>
@@ -3797,7 +3803,7 @@
           <a:p>
             <a:fld id="{81AC4511-555F-4A47-B99A-2646E76B4717}" type="datetimeFigureOut">
               <a:rPr lang="en-US" smtClean="0"/>
-              <a:t>11/27/2023</a:t>
+              <a:t>12/5/2023</a:t>
             </a:fld>
             <a:endParaRPr lang="en-US"/>
           </a:p>
@@ -3892,7 +3898,7 @@
           <a:p>
             <a:fld id="{81AC4511-555F-4A47-B99A-2646E76B4717}" type="datetimeFigureOut">
               <a:rPr lang="en-US" smtClean="0"/>
-              <a:t>11/27/2023</a:t>
+              <a:t>12/5/2023</a:t>
             </a:fld>
             <a:endParaRPr lang="en-US"/>
           </a:p>
@@ -4160,7 +4166,7 @@
           <a:ln/>
           <a:extLst>
             <a:ext uri="{91240B29-F687-4f45-9708-019B960494DF}">
-              <a14:hiddenLine xmlns:a14="http://schemas.microsoft.com/office/drawing/2010/main" xmlns="" w="9525">
+              <a14:hiddenLine xmlns="" xmlns:a14="http://schemas.microsoft.com/office/drawing/2010/main" w="9525">
                 <a:solidFill>
                   <a:srgbClr val="000000"/>
                 </a:solidFill>
@@ -4359,7 +4365,7 @@
           <a:p>
             <a:fld id="{81AC4511-555F-4A47-B99A-2646E76B4717}" type="datetimeFigureOut">
               <a:rPr lang="en-US" smtClean="0"/>
-              <a:t>11/27/2023</a:t>
+              <a:t>12/5/2023</a:t>
             </a:fld>
             <a:endParaRPr lang="en-US"/>
           </a:p>
@@ -4672,7 +4678,7 @@
           <a:p>
             <a:fld id="{81AC4511-555F-4A47-B99A-2646E76B4717}" type="datetimeFigureOut">
               <a:rPr lang="en-US" smtClean="0"/>
-              <a:t>11/27/2023</a:t>
+              <a:t>12/5/2023</a:t>
             </a:fld>
             <a:endParaRPr lang="en-US"/>
           </a:p>
@@ -4942,7 +4948,7 @@
           <a:p>
             <a:fld id="{81AC4511-555F-4A47-B99A-2646E76B4717}" type="datetimeFigureOut">
               <a:rPr lang="en-US" smtClean="0"/>
-              <a:t>11/27/2023</a:t>
+              <a:t>12/5/2023</a:t>
             </a:fld>
             <a:endParaRPr lang="en-US"/>
           </a:p>
@@ -5902,7 +5908,7 @@
             </a:r>
             <a:r>
               <a:rPr lang="en-US" dirty="0"/>
-              <a:t>Contribute, view &amp; edit blood details.</a:t>
+              <a:t>Contribute, view blood details.</a:t>
             </a:r>
           </a:p>
           <a:p>
@@ -6770,6 +6776,194 @@
     <p:extLst>
       <p:ext uri="{BB962C8B-B14F-4D97-AF65-F5344CB8AC3E}">
         <p14:creationId xmlns:p14="http://schemas.microsoft.com/office/powerpoint/2010/main" val="2195673370"/>
+      </p:ext>
+    </p:extLst>
+  </p:cSld>
+  <p:clrMapOvr>
+    <a:masterClrMapping/>
+  </p:clrMapOvr>
+</p:sld>
+</file>
+
+<file path=ppt/slides/slide9.xml><?xml version="1.0" encoding="utf-8"?>
+<p:sld xmlns:a="http://schemas.openxmlformats.org/drawingml/2006/main" xmlns:r="http://schemas.openxmlformats.org/officeDocument/2006/relationships" xmlns:p="http://schemas.openxmlformats.org/presentationml/2006/main">
+  <p:cSld>
+    <p:spTree>
+      <p:nvGrpSpPr>
+        <p:cNvPr id="1" name=""/>
+        <p:cNvGrpSpPr/>
+        <p:nvPr/>
+      </p:nvGrpSpPr>
+      <p:grpSpPr>
+        <a:xfrm>
+          <a:off x="0" y="0"/>
+          <a:ext cx="0" cy="0"/>
+          <a:chOff x="0" y="0"/>
+          <a:chExt cx="0" cy="0"/>
+        </a:xfrm>
+      </p:grpSpPr>
+      <p:sp>
+        <p:nvSpPr>
+          <p:cNvPr id="2" name="Title 1">
+            <a:extLst>
+              <a:ext uri="{FF2B5EF4-FFF2-40B4-BE49-F238E27FC236}">
+                <a16:creationId xmlns:a16="http://schemas.microsoft.com/office/drawing/2014/main" id="{E2EA5B43-B73D-3933-1B93-B270B72177E3}"/>
+              </a:ext>
+            </a:extLst>
+          </p:cNvPr>
+          <p:cNvSpPr>
+            <a:spLocks noGrp="1"/>
+          </p:cNvSpPr>
+          <p:nvPr>
+            <p:ph type="title"/>
+          </p:nvPr>
+        </p:nvSpPr>
+        <p:spPr>
+          <a:xfrm>
+            <a:off x="827424" y="474082"/>
+            <a:ext cx="10571998" cy="970450"/>
+          </a:xfrm>
+        </p:spPr>
+        <p:txBody>
+          <a:bodyPr/>
+          <a:lstStyle/>
+          <a:p>
+            <a:r>
+              <a:rPr lang="en-US" dirty="0"/>
+              <a:t>References</a:t>
+            </a:r>
+          </a:p>
+        </p:txBody>
+      </p:sp>
+      <p:sp>
+        <p:nvSpPr>
+          <p:cNvPr id="3" name="Content Placeholder 2">
+            <a:extLst>
+              <a:ext uri="{FF2B5EF4-FFF2-40B4-BE49-F238E27FC236}">
+                <a16:creationId xmlns:a16="http://schemas.microsoft.com/office/drawing/2014/main" id="{C2F6F899-3285-8ABC-37A8-884385F18146}"/>
+              </a:ext>
+            </a:extLst>
+          </p:cNvPr>
+          <p:cNvSpPr>
+            <a:spLocks noGrp="1"/>
+          </p:cNvSpPr>
+          <p:nvPr>
+            <p:ph idx="1"/>
+          </p:nvPr>
+        </p:nvSpPr>
+        <p:spPr>
+          <a:xfrm>
+            <a:off x="810000" y="2598805"/>
+            <a:ext cx="10554574" cy="4115760"/>
+          </a:xfrm>
+        </p:spPr>
+        <p:txBody>
+          <a:bodyPr/>
+          <a:lstStyle/>
+          <a:p>
+            <a:r>
+              <a:rPr lang="en-US" dirty="0">
+                <a:effectLst/>
+              </a:rPr>
+              <a:t>[1] G. Manika, V. S. Reddy, K. S. Vamshi, and Ms. </a:t>
+            </a:r>
+            <a:r>
+              <a:rPr lang="en-US" dirty="0" err="1">
+                <a:effectLst/>
+              </a:rPr>
+              <a:t>Prashanthi</a:t>
+            </a:r>
+            <a:r>
+              <a:rPr lang="en-US" dirty="0">
+                <a:effectLst/>
+              </a:rPr>
+              <a:t>, “Development and implementation of a web-based blood bank management system for efficient blood donation and distribution,” </a:t>
+            </a:r>
+            <a:r>
+              <a:rPr lang="en-US" i="1" dirty="0">
+                <a:effectLst/>
+              </a:rPr>
+              <a:t>International Journal for Research in Applied Science and Engineering Technology</a:t>
+            </a:r>
+            <a:r>
+              <a:rPr lang="en-US" dirty="0">
+                <a:effectLst/>
+              </a:rPr>
+              <a:t>, vol. 11, no. 4, pp. 1830–1834, 2023. doi:10.22214/ijraset.2023.50493</a:t>
+            </a:r>
+          </a:p>
+          <a:p>
+            <a:r>
+              <a:rPr lang="en-US" dirty="0">
+                <a:effectLst/>
+              </a:rPr>
+              <a:t>[2] </a:t>
+            </a:r>
+            <a:r>
+              <a:rPr lang="en-US" i="1" dirty="0">
+                <a:effectLst/>
+              </a:rPr>
+              <a:t>Free web development snippets, tips, and tricks</a:t>
+            </a:r>
+            <a:r>
+              <a:rPr lang="en-US" dirty="0">
+                <a:effectLst/>
+              </a:rPr>
+              <a:t> (no date) </a:t>
+            </a:r>
+            <a:r>
+              <a:rPr lang="en-US" i="1" dirty="0" err="1">
+                <a:effectLst/>
+              </a:rPr>
+              <a:t>MarkupTag</a:t>
+            </a:r>
+            <a:r>
+              <a:rPr lang="en-US" dirty="0">
+                <a:effectLst/>
+              </a:rPr>
+              <a:t>. Available at: https://www.markuptag.com/ (Accessed: 27 November 2023). </a:t>
+            </a:r>
+          </a:p>
+          <a:p>
+            <a:r>
+              <a:rPr lang="en-US" i="1" dirty="0"/>
+              <a:t>[3] </a:t>
+            </a:r>
+            <a:r>
+              <a:rPr lang="en-US" i="1" dirty="0" err="1">
+                <a:effectLst/>
+              </a:rPr>
+              <a:t>FreeFrontend</a:t>
+            </a:r>
+            <a:r>
+              <a:rPr lang="en-US" dirty="0">
+                <a:effectLst/>
+              </a:rPr>
+              <a:t>. Available at: https://freefrontend.com/ (Accessed: 27 November 2023). </a:t>
+            </a:r>
+          </a:p>
+          <a:p>
+            <a:pPr marL="0" indent="0">
+              <a:buNone/>
+            </a:pPr>
+            <a:endParaRPr lang="en-US" dirty="0">
+              <a:effectLst/>
+            </a:endParaRPr>
+          </a:p>
+          <a:p>
+            <a:endParaRPr lang="en-US" dirty="0">
+              <a:effectLst/>
+            </a:endParaRPr>
+          </a:p>
+          <a:p>
+            <a:endParaRPr lang="en-US" dirty="0"/>
+          </a:p>
+        </p:txBody>
+      </p:sp>
+    </p:spTree>
+    <p:extLst>
+      <p:ext uri="{BB962C8B-B14F-4D97-AF65-F5344CB8AC3E}">
+        <p14:creationId xmlns:p14="http://schemas.microsoft.com/office/powerpoint/2010/main" val="958466826"/>
       </p:ext>
     </p:extLst>
   </p:cSld>
